--- a/微信小程序.pptx
+++ b/微信小程序.pptx
@@ -7178,7 +7178,6 @@
             </a:pPr>
             <a:r>
               <a:rPr lang="en-US" altLang="zh-CN">
-                <a:ln/>
                 <a:solidFill>
                   <a:schemeClr val="tx1"/>
                 </a:solidFill>
@@ -7194,7 +7193,6 @@
             </a:r>
             <a:r>
               <a:rPr lang="zh-CN" altLang="en-US">
-                <a:ln/>
                 <a:solidFill>
                   <a:schemeClr val="tx1"/>
                 </a:solidFill>
@@ -7209,7 +7207,6 @@
               <a:t>、官方论坛</a:t>
             </a:r>
             <a:endParaRPr lang="zh-CN" altLang="en-US">
-              <a:ln/>
               <a:solidFill>
                 <a:schemeClr val="tx1"/>
               </a:solidFill>
@@ -7228,7 +7225,6 @@
             </a:pPr>
             <a:r>
               <a:rPr lang="en-US" altLang="zh-CN">
-                <a:ln/>
                 <a:solidFill>
                   <a:schemeClr val="tx1"/>
                 </a:solidFill>
@@ -7243,7 +7239,6 @@
               <a:t>   https://developers.weixin.qq.com/weloginpage</a:t>
             </a:r>
             <a:endParaRPr lang="en-US" altLang="zh-CN">
-              <a:ln/>
               <a:solidFill>
                 <a:schemeClr val="tx1"/>
               </a:solidFill>
@@ -7262,7 +7257,6 @@
             </a:pPr>
             <a:r>
               <a:rPr lang="en-US" altLang="zh-CN">
-                <a:ln/>
                 <a:solidFill>
                   <a:schemeClr val="tx1"/>
                 </a:solidFill>
@@ -7278,7 +7272,6 @@
             </a:r>
             <a:r>
               <a:rPr lang="zh-CN" altLang="en-US">
-                <a:ln/>
                 <a:solidFill>
                   <a:schemeClr val="tx1"/>
                 </a:solidFill>
@@ -7290,27 +7283,10 @@
                   </a:outerShdw>
                 </a:effectLst>
               </a:rPr>
-              <a:t>、很微</a:t>
-            </a:r>
-            <a:r>
-              <a:rPr lang="en-US" altLang="zh-CN">
-                <a:ln/>
-                <a:solidFill>
-                  <a:schemeClr val="tx1"/>
-                </a:solidFill>
-                <a:effectLst>
-                  <a:outerShdw blurRad="38100" dist="19050" dir="2700000" algn="tl" rotWithShape="0">
-                    <a:schemeClr val="dk1">
-                      <a:alpha val="40000"/>
-                    </a:schemeClr>
-                  </a:outerShdw>
-                </a:effectLst>
-              </a:rPr>
-              <a:t>(</a:t>
+              <a:t>、很</a:t>
             </a:r>
             <a:r>
               <a:rPr lang="zh-CN" altLang="en-US">
-                <a:ln/>
                 <a:solidFill>
                   <a:schemeClr val="tx1"/>
                 </a:solidFill>
@@ -7323,11 +7299,10 @@
                 </a:effectLst>
                 <a:sym typeface="+mn-ea"/>
               </a:rPr>
-              <a:t>信开发平台快</a:t>
+              <a:t>快</a:t>
             </a:r>
             <a:r>
               <a:rPr lang="en-US" altLang="zh-CN">
-                <a:ln/>
                 <a:solidFill>
                   <a:schemeClr val="tx1"/>
                 </a:solidFill>
@@ -7339,10 +7314,56 @@
                   </a:outerShdw>
                 </a:effectLst>
               </a:rPr>
+              <a:t>(</a:t>
+            </a:r>
+            <a:r>
+              <a:rPr lang="zh-CN" altLang="en-US">
+                <a:solidFill>
+                  <a:schemeClr val="tx1"/>
+                </a:solidFill>
+                <a:effectLst>
+                  <a:outerShdw blurRad="38100" dist="19050" dir="2700000" algn="tl" rotWithShape="0">
+                    <a:schemeClr val="dk1">
+                      <a:alpha val="40000"/>
+                    </a:schemeClr>
+                  </a:outerShdw>
+                </a:effectLst>
+                <a:sym typeface="+mn-ea"/>
+              </a:rPr>
+              <a:t>微</a:t>
+            </a:r>
+            <a:r>
+              <a:rPr lang="zh-CN" altLang="en-US">
+                <a:solidFill>
+                  <a:schemeClr val="tx1"/>
+                </a:solidFill>
+                <a:effectLst>
+                  <a:outerShdw blurRad="38100" dist="19050" dir="2700000" algn="tl" rotWithShape="0">
+                    <a:schemeClr val="dk1">
+                      <a:alpha val="40000"/>
+                    </a:schemeClr>
+                  </a:outerShdw>
+                </a:effectLst>
+                <a:sym typeface="+mn-ea"/>
+              </a:rPr>
+              <a:t>信开发平台</a:t>
+            </a:r>
+            <a:r>
+              <a:rPr lang="en-US" altLang="zh-CN">
+                <a:solidFill>
+                  <a:schemeClr val="tx1"/>
+                </a:solidFill>
+                <a:effectLst>
+                  <a:outerShdw blurRad="38100" dist="19050" dir="2700000" algn="tl" rotWithShape="0">
+                    <a:schemeClr val="dk1">
+                      <a:alpha val="40000"/>
+                    </a:schemeClr>
+                  </a:outerShdw>
+                </a:effectLst>
+              </a:rPr>
               <a:t>)</a:t>
             </a:r>
             <a:endParaRPr lang="en-US" altLang="zh-CN">
-              <a:ln/>
               <a:solidFill>
                 <a:schemeClr val="tx1"/>
               </a:solidFill>
@@ -7361,7 +7382,6 @@
             </a:pPr>
             <a:r>
               <a:rPr lang="zh-CN" altLang="en-US">
-                <a:ln/>
                 <a:solidFill>
                   <a:schemeClr val="tx1"/>
                 </a:solidFill>
@@ -7376,7 +7396,6 @@
               <a:t>   http://www.henkuai.com/forum-56-1.html</a:t>
             </a:r>
             <a:endParaRPr lang="zh-CN" altLang="en-US">
-              <a:ln/>
               <a:solidFill>
                 <a:schemeClr val="tx1"/>
               </a:solidFill>

--- a/微信小程序.pptx
+++ b/微信小程序.pptx
@@ -7330,23 +7330,7 @@
                 </a:effectLst>
                 <a:sym typeface="+mn-ea"/>
               </a:rPr>
-              <a:t>微</a:t>
-            </a:r>
-            <a:r>
-              <a:rPr lang="zh-CN" altLang="en-US">
-                <a:solidFill>
-                  <a:schemeClr val="tx1"/>
-                </a:solidFill>
-                <a:effectLst>
-                  <a:outerShdw blurRad="38100" dist="19050" dir="2700000" algn="tl" rotWithShape="0">
-                    <a:schemeClr val="dk1">
-                      <a:alpha val="40000"/>
-                    </a:schemeClr>
-                  </a:outerShdw>
-                </a:effectLst>
-                <a:sym typeface="+mn-ea"/>
-              </a:rPr>
-              <a:t>信开发平台</a:t>
+              <a:t>微信开发平台</a:t>
             </a:r>
             <a:r>
               <a:rPr lang="en-US" altLang="zh-CN">
@@ -7394,6 +7378,55 @@
                 </a:effectLst>
               </a:rPr>
               <a:t>   http://www.henkuai.com/forum-56-1.html</a:t>
+            </a:r>
+            <a:endParaRPr lang="zh-CN" altLang="en-US">
+              <a:solidFill>
+                <a:schemeClr val="tx1"/>
+              </a:solidFill>
+              <a:effectLst>
+                <a:outerShdw blurRad="38100" dist="19050" dir="2700000" algn="tl" rotWithShape="0">
+                  <a:schemeClr val="dk1">
+                    <a:alpha val="40000"/>
+                  </a:schemeClr>
+                </a:outerShdw>
+              </a:effectLst>
+            </a:endParaRPr>
+          </a:p>
+          <a:p>
+            <a:pPr marL="0" indent="0">
+              <a:buNone/>
+            </a:pPr>
+            <a:endParaRPr lang="zh-CN" altLang="en-US">
+              <a:solidFill>
+                <a:schemeClr val="tx1"/>
+              </a:solidFill>
+              <a:effectLst>
+                <a:outerShdw blurRad="38100" dist="19050" dir="2700000" algn="tl" rotWithShape="0">
+                  <a:schemeClr val="dk1">
+                    <a:alpha val="40000"/>
+                  </a:schemeClr>
+                </a:outerShdw>
+              </a:effectLst>
+            </a:endParaRPr>
+          </a:p>
+          <a:p>
+            <a:pPr marL="0" indent="0">
+              <a:buNone/>
+            </a:pPr>
+            <a:r>
+              <a:rPr lang="zh-CN" altLang="en-US">
+                <a:solidFill>
+                  <a:schemeClr val="tx1"/>
+                </a:solidFill>
+                <a:effectLst>
+                  <a:outerShdw blurRad="38100" dist="19050" dir="2700000" algn="tl" rotWithShape="0">
+                    <a:schemeClr val="dk1">
+                      <a:alpha val="40000"/>
+                    </a:schemeClr>
+                  </a:outerShdw>
+                </a:effectLst>
+              </a:rPr>
+              <a:t>https://github.com/ruanyf/webpack-demos#demo01-entry-file-source</a:t>
             </a:r>
             <a:endParaRPr lang="zh-CN" altLang="en-US">
               <a:solidFill>
